--- a/easy-deposit-ui-basics/Presentation Redux.pptx
+++ b/easy-deposit-ui-basics/Presentation Redux.pptx
@@ -200,7 +200,7 @@
           <a:p>
             <a:fld id="{46FF6343-701E-174E-AA11-326D58F329D9}" type="datetimeFigureOut">
               <a:rPr lang="en-US" smtClean="0"/>
-              <a:t>6/28/18</a:t>
+              <a:t>7/2/18</a:t>
             </a:fld>
             <a:endParaRPr lang="en-US"/>
           </a:p>
@@ -596,7 +596,7 @@
           <a:p>
             <a:fld id="{CAB3AEDB-0CE4-724F-8906-26B9AA19027E}" type="datetimeFigureOut">
               <a:rPr lang="en-US" smtClean="0"/>
-              <a:t>6/28/18</a:t>
+              <a:t>7/2/18</a:t>
             </a:fld>
             <a:endParaRPr lang="en-US"/>
           </a:p>
@@ -764,7 +764,7 @@
           <a:p>
             <a:fld id="{CAB3AEDB-0CE4-724F-8906-26B9AA19027E}" type="datetimeFigureOut">
               <a:rPr lang="en-US" smtClean="0"/>
-              <a:t>6/28/18</a:t>
+              <a:t>7/2/18</a:t>
             </a:fld>
             <a:endParaRPr lang="en-US"/>
           </a:p>
@@ -942,7 +942,7 @@
           <a:p>
             <a:fld id="{CAB3AEDB-0CE4-724F-8906-26B9AA19027E}" type="datetimeFigureOut">
               <a:rPr lang="en-US" smtClean="0"/>
-              <a:t>6/28/18</a:t>
+              <a:t>7/2/18</a:t>
             </a:fld>
             <a:endParaRPr lang="en-US"/>
           </a:p>
@@ -1110,7 +1110,7 @@
           <a:p>
             <a:fld id="{CAB3AEDB-0CE4-724F-8906-26B9AA19027E}" type="datetimeFigureOut">
               <a:rPr lang="en-US" smtClean="0"/>
-              <a:t>6/28/18</a:t>
+              <a:t>7/2/18</a:t>
             </a:fld>
             <a:endParaRPr lang="en-US"/>
           </a:p>
@@ -1355,7 +1355,7 @@
           <a:p>
             <a:fld id="{CAB3AEDB-0CE4-724F-8906-26B9AA19027E}" type="datetimeFigureOut">
               <a:rPr lang="en-US" smtClean="0"/>
-              <a:t>6/28/18</a:t>
+              <a:t>7/2/18</a:t>
             </a:fld>
             <a:endParaRPr lang="en-US"/>
           </a:p>
@@ -1584,7 +1584,7 @@
           <a:p>
             <a:fld id="{CAB3AEDB-0CE4-724F-8906-26B9AA19027E}" type="datetimeFigureOut">
               <a:rPr lang="en-US" smtClean="0"/>
-              <a:t>6/28/18</a:t>
+              <a:t>7/2/18</a:t>
             </a:fld>
             <a:endParaRPr lang="en-US"/>
           </a:p>
@@ -1948,7 +1948,7 @@
           <a:p>
             <a:fld id="{CAB3AEDB-0CE4-724F-8906-26B9AA19027E}" type="datetimeFigureOut">
               <a:rPr lang="en-US" smtClean="0"/>
-              <a:t>6/28/18</a:t>
+              <a:t>7/2/18</a:t>
             </a:fld>
             <a:endParaRPr lang="en-US"/>
           </a:p>
@@ -2065,7 +2065,7 @@
           <a:p>
             <a:fld id="{CAB3AEDB-0CE4-724F-8906-26B9AA19027E}" type="datetimeFigureOut">
               <a:rPr lang="en-US" smtClean="0"/>
-              <a:t>6/28/18</a:t>
+              <a:t>7/2/18</a:t>
             </a:fld>
             <a:endParaRPr lang="en-US"/>
           </a:p>
@@ -2160,7 +2160,7 @@
           <a:p>
             <a:fld id="{CAB3AEDB-0CE4-724F-8906-26B9AA19027E}" type="datetimeFigureOut">
               <a:rPr lang="en-US" smtClean="0"/>
-              <a:t>6/28/18</a:t>
+              <a:t>7/2/18</a:t>
             </a:fld>
             <a:endParaRPr lang="en-US"/>
           </a:p>
@@ -2435,7 +2435,7 @@
           <a:p>
             <a:fld id="{CAB3AEDB-0CE4-724F-8906-26B9AA19027E}" type="datetimeFigureOut">
               <a:rPr lang="en-US" smtClean="0"/>
-              <a:t>6/28/18</a:t>
+              <a:t>7/2/18</a:t>
             </a:fld>
             <a:endParaRPr lang="en-US"/>
           </a:p>
@@ -2687,7 +2687,7 @@
           <a:p>
             <a:fld id="{CAB3AEDB-0CE4-724F-8906-26B9AA19027E}" type="datetimeFigureOut">
               <a:rPr lang="en-US" smtClean="0"/>
-              <a:t>6/28/18</a:t>
+              <a:t>7/2/18</a:t>
             </a:fld>
             <a:endParaRPr lang="en-US"/>
           </a:p>
@@ -2898,7 +2898,7 @@
           <a:p>
             <a:fld id="{CAB3AEDB-0CE4-724F-8906-26B9AA19027E}" type="datetimeFigureOut">
               <a:rPr lang="en-US" smtClean="0"/>
-              <a:t>6/28/18</a:t>
+              <a:t>7/2/18</a:t>
             </a:fld>
             <a:endParaRPr lang="en-US"/>
           </a:p>
@@ -3388,7 +3388,7 @@
             <a:pPr algn="l"/>
             <a:fld id="{1E98CFF9-AC77-9F41-A6F7-C65A85AD078C}" type="datetime4">
               <a:rPr lang="en-US" sz="2000" smtClean="0"/>
-              <a:t>June 28, 2018</a:t>
+              <a:t>July 2, 2018</a:t>
             </a:fld>
             <a:endParaRPr lang="en-US" sz="2000" dirty="0"/>
           </a:p>
@@ -3696,6 +3696,12 @@
               <a:t>EASY-1604 (configuration)</a:t>
             </a:r>
           </a:p>
+          <a:p>
+            <a:r>
+              <a:rPr lang="en-US" dirty="0"/>
+              <a:t>EASY-1489 (deploy on Apache)</a:t>
+            </a:r>
+          </a:p>
         </p:txBody>
       </p:sp>
       <p:sp>
@@ -3757,6 +3763,12 @@
             <a:r>
               <a:rPr lang="en-US" dirty="0"/>
               <a:t>EASY-1606 (file upload)</a:t>
+            </a:r>
+          </a:p>
+          <a:p>
+            <a:r>
+              <a:rPr lang="en-US" dirty="0"/>
+              <a:t>EASY-1608 (form prompt)</a:t>
             </a:r>
           </a:p>
         </p:txBody>
